--- a/RWD_Design_謝安怡.pptx
+++ b/RWD_Design_謝安怡.pptx
@@ -6072,61 +6072,6 @@
           </a:p>
         </p:txBody>
       </p:sp>
-      <p:sp>
-        <p:nvSpPr>
-          <p:cNvPr id="19" name="오른쪽 대괄호 5">
-            <a:extLst>
-              <a:ext uri="{FF2B5EF4-FFF2-40B4-BE49-F238E27FC236}">
-                <a16:creationId xmlns:a16="http://schemas.microsoft.com/office/drawing/2014/main" id="{6FB50E78-14EE-BD44-8003-E693759484A8}"/>
-              </a:ext>
-            </a:extLst>
-          </p:cNvPr>
-          <p:cNvSpPr/>
-          <p:nvPr/>
-        </p:nvSpPr>
-        <p:spPr>
-          <a:xfrm rot="16200000">
-            <a:off x="2079625" y="-727075"/>
-            <a:ext cx="457200" cy="3028950"/>
-          </a:xfrm>
-          <a:prstGeom prst="rightBracket">
-            <a:avLst>
-              <a:gd name="adj" fmla="val 0"/>
-            </a:avLst>
-          </a:prstGeom>
-          <a:ln>
-            <a:solidFill>
-              <a:srgbClr val="D87C79"/>
-            </a:solidFill>
-          </a:ln>
-        </p:spPr>
-        <p:style>
-          <a:lnRef idx="1">
-            <a:schemeClr val="accent1"/>
-          </a:lnRef>
-          <a:fillRef idx="0">
-            <a:schemeClr val="accent1"/>
-          </a:fillRef>
-          <a:effectRef idx="0">
-            <a:schemeClr val="accent1"/>
-          </a:effectRef>
-          <a:fontRef idx="minor">
-            <a:schemeClr val="tx1"/>
-          </a:fontRef>
-        </p:style>
-        <p:txBody>
-          <a:bodyPr rtlCol="0" anchor="ctr"/>
-          <a:lstStyle/>
-          <a:p>
-            <a:pPr algn="ctr"/>
-            <a:endParaRPr lang="ko-KR" altLang="en-US">
-              <a:solidFill>
-                <a:prstClr val="black"/>
-              </a:solidFill>
-            </a:endParaRPr>
-          </a:p>
-        </p:txBody>
-      </p:sp>
       <p:cxnSp>
         <p:nvCxnSpPr>
           <p:cNvPr id="20" name="직선 연결선 7">
@@ -6137,14 +6082,15 @@
             </a:extLst>
           </p:cNvPr>
           <p:cNvCxnSpPr>
-            <a:stCxn id="19" idx="1"/>
+            <a:cxnSpLocks/>
+            <a:stCxn id="63" idx="1"/>
           </p:cNvCxnSpPr>
           <p:nvPr/>
         </p:nvCxnSpPr>
         <p:spPr>
           <a:xfrm>
-            <a:off x="3822700" y="1016000"/>
-            <a:ext cx="7298180" cy="1"/>
+            <a:off x="5441789" y="1016152"/>
+            <a:ext cx="4916824" cy="3"/>
           </a:xfrm>
           <a:prstGeom prst="line">
             <a:avLst/>
@@ -6170,84 +6116,6 @@
           </a:fontRef>
         </p:style>
       </p:cxnSp>
-      <p:sp>
-        <p:nvSpPr>
-          <p:cNvPr id="21" name="직사각형 27">
-            <a:extLst>
-              <a:ext uri="{FF2B5EF4-FFF2-40B4-BE49-F238E27FC236}">
-                <a16:creationId xmlns:a16="http://schemas.microsoft.com/office/drawing/2014/main" id="{79AB0772-FD2D-D840-B637-DBE572AC08AD}"/>
-              </a:ext>
-            </a:extLst>
-          </p:cNvPr>
-          <p:cNvSpPr/>
-          <p:nvPr/>
-        </p:nvSpPr>
-        <p:spPr>
-          <a:xfrm>
-            <a:off x="1242731" y="647477"/>
-            <a:ext cx="2079524" cy="338554"/>
-          </a:xfrm>
-          <a:prstGeom prst="rect">
-            <a:avLst/>
-          </a:prstGeom>
-          <a:ln w="31750">
-            <a:noFill/>
-          </a:ln>
-        </p:spPr>
-        <p:txBody>
-          <a:bodyPr wrap="square">
-            <a:spAutoFit/>
-          </a:bodyPr>
-          <a:lstStyle/>
-          <a:p>
-            <a:pPr algn="ctr" latinLnBrk="0">
-              <a:defRPr/>
-            </a:pPr>
-            <a:r>
-              <a:rPr lang="en-US" altLang="zh-TW" sz="1600" kern="0" dirty="0">
-                <a:ln w="41275">
-                  <a:noFill/>
-                </a:ln>
-                <a:solidFill>
-                  <a:schemeClr val="bg2">
-                    <a:lumMod val="50000"/>
-                  </a:schemeClr>
-                </a:solidFill>
-                <a:latin typeface="PingFang SC" panose="020B0400000000000000" pitchFamily="34" charset="-122"/>
-                <a:ea typeface="PingFang SC" panose="020B0400000000000000" pitchFamily="34" charset="-122"/>
-              </a:rPr>
-              <a:t>02</a:t>
-            </a:r>
-            <a:r>
-              <a:rPr lang="zh-TW" altLang="en-US" sz="1600" kern="0" dirty="0">
-                <a:ln w="41275">
-                  <a:noFill/>
-                </a:ln>
-                <a:solidFill>
-                  <a:schemeClr val="bg2">
-                    <a:lumMod val="50000"/>
-                  </a:schemeClr>
-                </a:solidFill>
-                <a:latin typeface="PingFang SC" panose="020B0400000000000000" pitchFamily="34" charset="-122"/>
-                <a:ea typeface="PingFang SC" panose="020B0400000000000000" pitchFamily="34" charset="-122"/>
-              </a:rPr>
-              <a:t> 導覽選單變化</a:t>
-            </a:r>
-            <a:endParaRPr lang="en-US" altLang="zh-CN" sz="1600" kern="0" dirty="0">
-              <a:ln w="41275">
-                <a:noFill/>
-              </a:ln>
-              <a:solidFill>
-                <a:schemeClr val="bg2">
-                  <a:lumMod val="50000"/>
-                </a:schemeClr>
-              </a:solidFill>
-              <a:latin typeface="PingFang SC" panose="020B0400000000000000" pitchFamily="34" charset="-122"/>
-              <a:ea typeface="PingFang SC" panose="020B0400000000000000" pitchFamily="34" charset="-122"/>
-            </a:endParaRPr>
-          </a:p>
-        </p:txBody>
-      </p:sp>
       <p:grpSp>
         <p:nvGrpSpPr>
           <p:cNvPr id="38" name="그룹 1">
@@ -6690,48 +6558,6 @@
       </p:grpSp>
       <p:sp>
         <p:nvSpPr>
-          <p:cNvPr id="48" name="TextBox 15">
-            <a:extLst>
-              <a:ext uri="{FF2B5EF4-FFF2-40B4-BE49-F238E27FC236}">
-                <a16:creationId xmlns:a16="http://schemas.microsoft.com/office/drawing/2014/main" id="{E2993E19-BBEF-A748-85CE-43A6B0DD1F96}"/>
-              </a:ext>
-            </a:extLst>
-          </p:cNvPr>
-          <p:cNvSpPr txBox="1">
-            <a:spLocks noChangeAspect="1"/>
-          </p:cNvSpPr>
-          <p:nvPr/>
-        </p:nvSpPr>
-        <p:spPr>
-          <a:xfrm>
-            <a:off x="1242731" y="654830"/>
-            <a:ext cx="262305" cy="307777"/>
-          </a:xfrm>
-          <a:prstGeom prst="rect">
-            <a:avLst/>
-          </a:prstGeom>
-          <a:noFill/>
-        </p:spPr>
-        <p:txBody>
-          <a:bodyPr wrap="square" rtlCol="0">
-            <a:spAutoFit/>
-          </a:bodyPr>
-          <a:lstStyle/>
-          <a:p>
-            <a:pPr algn="ctr"/>
-            <a:r>
-              <a:rPr lang="ko-KR" altLang="en-US" sz="1400" dirty="0">
-                <a:solidFill>
-                  <a:srgbClr val="D87C79"/>
-                </a:solidFill>
-              </a:rPr>
-              <a:t>▶</a:t>
-            </a:r>
-          </a:p>
-        </p:txBody>
-      </p:sp>
-      <p:sp>
-        <p:nvSpPr>
           <p:cNvPr id="49" name="직사각형 27">
             <a:extLst>
               <a:ext uri="{FF2B5EF4-FFF2-40B4-BE49-F238E27FC236}">
@@ -6889,7 +6715,7 @@
                 <a:latin typeface="PingFang SC" panose="020B0400000000000000" pitchFamily="34" charset="-122"/>
                 <a:ea typeface="PingFang SC" panose="020B0400000000000000" pitchFamily="34" charset="-122"/>
               </a:rPr>
-              <a:t>而在手機上則為下拉式選單以文字呈現</a:t>
+              <a:t>而在手機上則為漢堡選單並以文字呈現</a:t>
             </a:r>
             <a:endParaRPr lang="en-US" altLang="zh-CN" sz="1600" kern="0" dirty="0">
               <a:ln w="41275">
@@ -11678,6 +11504,246 @@
           </p:txBody>
         </p:sp>
       </p:grpSp>
+      <p:grpSp>
+        <p:nvGrpSpPr>
+          <p:cNvPr id="62" name="群組 61">
+            <a:extLst>
+              <a:ext uri="{FF2B5EF4-FFF2-40B4-BE49-F238E27FC236}">
+                <a16:creationId xmlns:a16="http://schemas.microsoft.com/office/drawing/2014/main" id="{630F2E02-5112-DC4E-BA6D-F0E3440FB3CB}"/>
+              </a:ext>
+            </a:extLst>
+          </p:cNvPr>
+          <p:cNvGrpSpPr/>
+          <p:nvPr/>
+        </p:nvGrpSpPr>
+        <p:grpSpPr>
+          <a:xfrm>
+            <a:off x="2412839" y="558952"/>
+            <a:ext cx="3028950" cy="457200"/>
+            <a:chOff x="793750" y="558800"/>
+            <a:chExt cx="3028950" cy="457200"/>
+          </a:xfrm>
+        </p:grpSpPr>
+        <p:sp>
+          <p:nvSpPr>
+            <p:cNvPr id="63" name="오른쪽 대괄호 5">
+              <a:extLst>
+                <a:ext uri="{FF2B5EF4-FFF2-40B4-BE49-F238E27FC236}">
+                  <a16:creationId xmlns:a16="http://schemas.microsoft.com/office/drawing/2014/main" id="{DD422501-A1F5-D045-A67A-647F84A08902}"/>
+                </a:ext>
+              </a:extLst>
+            </p:cNvPr>
+            <p:cNvSpPr/>
+            <p:nvPr/>
+          </p:nvSpPr>
+          <p:spPr>
+            <a:xfrm rot="16200000">
+              <a:off x="2079625" y="-727075"/>
+              <a:ext cx="457200" cy="3028950"/>
+            </a:xfrm>
+            <a:prstGeom prst="rightBracket">
+              <a:avLst>
+                <a:gd name="adj" fmla="val 0"/>
+              </a:avLst>
+            </a:prstGeom>
+            <a:ln>
+              <a:solidFill>
+                <a:srgbClr val="D87C79"/>
+              </a:solidFill>
+            </a:ln>
+          </p:spPr>
+          <p:style>
+            <a:lnRef idx="1">
+              <a:schemeClr val="accent1"/>
+            </a:lnRef>
+            <a:fillRef idx="0">
+              <a:schemeClr val="accent1"/>
+            </a:fillRef>
+            <a:effectRef idx="0">
+              <a:schemeClr val="accent1"/>
+            </a:effectRef>
+            <a:fontRef idx="minor">
+              <a:schemeClr val="tx1"/>
+            </a:fontRef>
+          </p:style>
+          <p:txBody>
+            <a:bodyPr rtlCol="0" anchor="ctr"/>
+            <a:lstStyle/>
+            <a:p>
+              <a:pPr algn="ctr"/>
+              <a:endParaRPr lang="ko-KR" altLang="en-US">
+                <a:solidFill>
+                  <a:prstClr val="black"/>
+                </a:solidFill>
+              </a:endParaRPr>
+            </a:p>
+          </p:txBody>
+        </p:sp>
+        <p:sp>
+          <p:nvSpPr>
+            <p:cNvPr id="64" name="직사각형 27">
+              <a:extLst>
+                <a:ext uri="{FF2B5EF4-FFF2-40B4-BE49-F238E27FC236}">
+                  <a16:creationId xmlns:a16="http://schemas.microsoft.com/office/drawing/2014/main" id="{8CF38BD6-8B44-6346-B1CC-E9AAC4A0DB5F}"/>
+                </a:ext>
+              </a:extLst>
+            </p:cNvPr>
+            <p:cNvSpPr/>
+            <p:nvPr/>
+          </p:nvSpPr>
+          <p:spPr>
+            <a:xfrm>
+              <a:off x="1242731" y="647477"/>
+              <a:ext cx="2079524" cy="338554"/>
+            </a:xfrm>
+            <a:prstGeom prst="rect">
+              <a:avLst/>
+            </a:prstGeom>
+            <a:ln w="31750">
+              <a:noFill/>
+            </a:ln>
+          </p:spPr>
+          <p:txBody>
+            <a:bodyPr wrap="square">
+              <a:spAutoFit/>
+            </a:bodyPr>
+            <a:lstStyle/>
+            <a:p>
+              <a:pPr algn="ctr" latinLnBrk="0">
+                <a:defRPr/>
+              </a:pPr>
+              <a:r>
+                <a:rPr lang="en-US" altLang="zh-TW" sz="1600" kern="0" dirty="0">
+                  <a:ln w="41275">
+                    <a:noFill/>
+                  </a:ln>
+                  <a:solidFill>
+                    <a:schemeClr val="bg2">
+                      <a:lumMod val="50000"/>
+                    </a:schemeClr>
+                  </a:solidFill>
+                  <a:latin typeface="PingFang SC" panose="020B0400000000000000" pitchFamily="34" charset="-122"/>
+                  <a:ea typeface="PingFang SC" panose="020B0400000000000000" pitchFamily="34" charset="-122"/>
+                </a:rPr>
+                <a:t>02</a:t>
+              </a:r>
+              <a:r>
+                <a:rPr lang="zh-TW" altLang="en-US" sz="1600" kern="0" dirty="0">
+                  <a:ln w="41275">
+                    <a:noFill/>
+                  </a:ln>
+                  <a:solidFill>
+                    <a:schemeClr val="bg2">
+                      <a:lumMod val="50000"/>
+                    </a:schemeClr>
+                  </a:solidFill>
+                  <a:latin typeface="PingFang SC" panose="020B0400000000000000" pitchFamily="34" charset="-122"/>
+                  <a:ea typeface="PingFang SC" panose="020B0400000000000000" pitchFamily="34" charset="-122"/>
+                </a:rPr>
+                <a:t> 導覽選單變化</a:t>
+              </a:r>
+              <a:endParaRPr lang="en-US" altLang="zh-CN" sz="1600" kern="0" dirty="0">
+                <a:ln w="41275">
+                  <a:noFill/>
+                </a:ln>
+                <a:solidFill>
+                  <a:schemeClr val="bg2">
+                    <a:lumMod val="50000"/>
+                  </a:schemeClr>
+                </a:solidFill>
+                <a:latin typeface="PingFang SC" panose="020B0400000000000000" pitchFamily="34" charset="-122"/>
+                <a:ea typeface="PingFang SC" panose="020B0400000000000000" pitchFamily="34" charset="-122"/>
+              </a:endParaRPr>
+            </a:p>
+          </p:txBody>
+        </p:sp>
+        <p:sp>
+          <p:nvSpPr>
+            <p:cNvPr id="66" name="TextBox 15">
+              <a:extLst>
+                <a:ext uri="{FF2B5EF4-FFF2-40B4-BE49-F238E27FC236}">
+                  <a16:creationId xmlns:a16="http://schemas.microsoft.com/office/drawing/2014/main" id="{90F8BE10-6762-D04A-99AA-75DE95E38C4B}"/>
+                </a:ext>
+              </a:extLst>
+            </p:cNvPr>
+            <p:cNvSpPr txBox="1">
+              <a:spLocks noChangeAspect="1"/>
+            </p:cNvSpPr>
+            <p:nvPr/>
+          </p:nvSpPr>
+          <p:spPr>
+            <a:xfrm>
+              <a:off x="1242731" y="654830"/>
+              <a:ext cx="262305" cy="307777"/>
+            </a:xfrm>
+            <a:prstGeom prst="rect">
+              <a:avLst/>
+            </a:prstGeom>
+            <a:noFill/>
+          </p:spPr>
+          <p:txBody>
+            <a:bodyPr wrap="square" rtlCol="0">
+              <a:spAutoFit/>
+            </a:bodyPr>
+            <a:lstStyle/>
+            <a:p>
+              <a:pPr algn="ctr"/>
+              <a:r>
+                <a:rPr lang="ko-KR" altLang="en-US" sz="1400" dirty="0">
+                  <a:solidFill>
+                    <a:srgbClr val="D87C79"/>
+                  </a:solidFill>
+                </a:rPr>
+                <a:t>▶</a:t>
+              </a:r>
+            </a:p>
+          </p:txBody>
+        </p:sp>
+      </p:grpSp>
+      <p:cxnSp>
+        <p:nvCxnSpPr>
+          <p:cNvPr id="78" name="직선 연결선 7">
+            <a:extLst>
+              <a:ext uri="{FF2B5EF4-FFF2-40B4-BE49-F238E27FC236}">
+                <a16:creationId xmlns:a16="http://schemas.microsoft.com/office/drawing/2014/main" id="{519B5BC4-2D6E-CB41-A2CD-53B8FF3ED666}"/>
+              </a:ext>
+            </a:extLst>
+          </p:cNvPr>
+          <p:cNvCxnSpPr>
+            <a:cxnSpLocks/>
+            <a:endCxn id="63" idx="0"/>
+          </p:cNvCxnSpPr>
+          <p:nvPr/>
+        </p:nvCxnSpPr>
+        <p:spPr>
+          <a:xfrm>
+            <a:off x="995553" y="1013106"/>
+            <a:ext cx="1417286" cy="3046"/>
+          </a:xfrm>
+          <a:prstGeom prst="line">
+            <a:avLst/>
+          </a:prstGeom>
+          <a:ln>
+            <a:solidFill>
+              <a:srgbClr val="D87C79"/>
+            </a:solidFill>
+          </a:ln>
+        </p:spPr>
+        <p:style>
+          <a:lnRef idx="1">
+            <a:schemeClr val="accent1"/>
+          </a:lnRef>
+          <a:fillRef idx="0">
+            <a:schemeClr val="accent1"/>
+          </a:fillRef>
+          <a:effectRef idx="0">
+            <a:schemeClr val="accent1"/>
+          </a:effectRef>
+          <a:fontRef idx="minor">
+            <a:schemeClr val="tx1"/>
+          </a:fontRef>
+        </p:style>
+      </p:cxnSp>
     </p:spTree>
     <p:extLst>
       <p:ext uri="{BB962C8B-B14F-4D97-AF65-F5344CB8AC3E}">
